--- a/report/variable_correlation/Figure3.pptx
+++ b/report/variable_correlation/Figure3.pptx
@@ -288,7 +288,7 @@
           <a:p>
             <a:fld id="{A3B8B302-70FF-4EA2-9CB9-0129FD6BDA11}" type="datetimeFigureOut">
               <a:rPr lang="en-US" smtClean="0"/>
-              <a:t>5/24/2017</a:t>
+              <a:t>6/5/2017</a:t>
             </a:fld>
             <a:endParaRPr lang="en-US"/>
           </a:p>
@@ -458,7 +458,7 @@
           <a:p>
             <a:fld id="{A3B8B302-70FF-4EA2-9CB9-0129FD6BDA11}" type="datetimeFigureOut">
               <a:rPr lang="en-US" smtClean="0"/>
-              <a:t>5/24/2017</a:t>
+              <a:t>6/5/2017</a:t>
             </a:fld>
             <a:endParaRPr lang="en-US"/>
           </a:p>
@@ -638,7 +638,7 @@
           <a:p>
             <a:fld id="{A3B8B302-70FF-4EA2-9CB9-0129FD6BDA11}" type="datetimeFigureOut">
               <a:rPr lang="en-US" smtClean="0"/>
-              <a:t>5/24/2017</a:t>
+              <a:t>6/5/2017</a:t>
             </a:fld>
             <a:endParaRPr lang="en-US"/>
           </a:p>
@@ -808,7 +808,7 @@
           <a:p>
             <a:fld id="{A3B8B302-70FF-4EA2-9CB9-0129FD6BDA11}" type="datetimeFigureOut">
               <a:rPr lang="en-US" smtClean="0"/>
-              <a:t>5/24/2017</a:t>
+              <a:t>6/5/2017</a:t>
             </a:fld>
             <a:endParaRPr lang="en-US"/>
           </a:p>
@@ -1054,7 +1054,7 @@
           <a:p>
             <a:fld id="{A3B8B302-70FF-4EA2-9CB9-0129FD6BDA11}" type="datetimeFigureOut">
               <a:rPr lang="en-US" smtClean="0"/>
-              <a:t>5/24/2017</a:t>
+              <a:t>6/5/2017</a:t>
             </a:fld>
             <a:endParaRPr lang="en-US"/>
           </a:p>
@@ -1342,7 +1342,7 @@
           <a:p>
             <a:fld id="{A3B8B302-70FF-4EA2-9CB9-0129FD6BDA11}" type="datetimeFigureOut">
               <a:rPr lang="en-US" smtClean="0"/>
-              <a:t>5/24/2017</a:t>
+              <a:t>6/5/2017</a:t>
             </a:fld>
             <a:endParaRPr lang="en-US"/>
           </a:p>
@@ -1764,7 +1764,7 @@
           <a:p>
             <a:fld id="{A3B8B302-70FF-4EA2-9CB9-0129FD6BDA11}" type="datetimeFigureOut">
               <a:rPr lang="en-US" smtClean="0"/>
-              <a:t>5/24/2017</a:t>
+              <a:t>6/5/2017</a:t>
             </a:fld>
             <a:endParaRPr lang="en-US"/>
           </a:p>
@@ -1882,7 +1882,7 @@
           <a:p>
             <a:fld id="{A3B8B302-70FF-4EA2-9CB9-0129FD6BDA11}" type="datetimeFigureOut">
               <a:rPr lang="en-US" smtClean="0"/>
-              <a:t>5/24/2017</a:t>
+              <a:t>6/5/2017</a:t>
             </a:fld>
             <a:endParaRPr lang="en-US"/>
           </a:p>
@@ -1977,7 +1977,7 @@
           <a:p>
             <a:fld id="{A3B8B302-70FF-4EA2-9CB9-0129FD6BDA11}" type="datetimeFigureOut">
               <a:rPr lang="en-US" smtClean="0"/>
-              <a:t>5/24/2017</a:t>
+              <a:t>6/5/2017</a:t>
             </a:fld>
             <a:endParaRPr lang="en-US"/>
           </a:p>
@@ -2254,7 +2254,7 @@
           <a:p>
             <a:fld id="{A3B8B302-70FF-4EA2-9CB9-0129FD6BDA11}" type="datetimeFigureOut">
               <a:rPr lang="en-US" smtClean="0"/>
-              <a:t>5/24/2017</a:t>
+              <a:t>6/5/2017</a:t>
             </a:fld>
             <a:endParaRPr lang="en-US"/>
           </a:p>
@@ -2507,7 +2507,7 @@
           <a:p>
             <a:fld id="{A3B8B302-70FF-4EA2-9CB9-0129FD6BDA11}" type="datetimeFigureOut">
               <a:rPr lang="en-US" smtClean="0"/>
-              <a:t>5/24/2017</a:t>
+              <a:t>6/5/2017</a:t>
             </a:fld>
             <a:endParaRPr lang="en-US"/>
           </a:p>
@@ -2720,7 +2720,7 @@
           <a:p>
             <a:fld id="{A3B8B302-70FF-4EA2-9CB9-0129FD6BDA11}" type="datetimeFigureOut">
               <a:rPr lang="en-US" smtClean="0"/>
-              <a:t>5/24/2017</a:t>
+              <a:t>6/5/2017</a:t>
             </a:fld>
             <a:endParaRPr lang="en-US"/>
           </a:p>
@@ -3116,7 +3116,7 @@
         </p:blipFill>
         <p:spPr bwMode="auto">
           <a:xfrm>
-            <a:off x="13030200" y="1371600"/>
+            <a:off x="12954000" y="1371600"/>
             <a:ext cx="9372600" cy="8801100"/>
           </a:xfrm>
           <a:prstGeom prst="rect">
@@ -3155,7 +3155,7 @@
         </p:blipFill>
         <p:spPr bwMode="auto">
           <a:xfrm>
-            <a:off x="0" y="18211800"/>
+            <a:off x="-38100" y="18211800"/>
             <a:ext cx="4610100" cy="4648200"/>
           </a:xfrm>
           <a:prstGeom prst="rect">
@@ -3267,13 +3267,13 @@
               </a:ext>
             </a:extLst>
           </a:blip>
-          <a:srcRect t="15278" r="16892" b="13541"/>
+          <a:srcRect l="2027" t="15278" r="16892" b="13541"/>
           <a:stretch/>
         </p:blipFill>
         <p:spPr bwMode="auto">
           <a:xfrm>
-            <a:off x="-76200" y="10191750"/>
-            <a:ext cx="4686300" cy="3905250"/>
+            <a:off x="38100" y="10191750"/>
+            <a:ext cx="4572000" cy="3905250"/>
           </a:xfrm>
           <a:prstGeom prst="rect">
             <a:avLst/>
@@ -3311,7 +3311,7 @@
         </p:blipFill>
         <p:spPr bwMode="auto">
           <a:xfrm>
-            <a:off x="38100" y="14173200"/>
+            <a:off x="0" y="14213840"/>
             <a:ext cx="4572000" cy="4114800"/>
           </a:xfrm>
           <a:prstGeom prst="rect">
@@ -3350,8 +3350,8 @@
         </p:blipFill>
         <p:spPr bwMode="auto">
           <a:xfrm>
-            <a:off x="5086350" y="18288000"/>
-            <a:ext cx="3676650" cy="4552950"/>
+            <a:off x="5086350" y="18288001"/>
+            <a:ext cx="3822192" cy="4544795"/>
           </a:xfrm>
           <a:prstGeom prst="rect">
             <a:avLst/>
@@ -3545,7 +3545,7 @@
         </p:blipFill>
         <p:spPr bwMode="auto">
           <a:xfrm>
-            <a:off x="9563100" y="9439275"/>
+            <a:off x="9486900" y="9372600"/>
             <a:ext cx="4381500" cy="4886325"/>
           </a:xfrm>
           <a:prstGeom prst="rect">
@@ -3662,7 +3662,7 @@
         </p:blipFill>
         <p:spPr bwMode="auto">
           <a:xfrm>
-            <a:off x="13525500" y="13468350"/>
+            <a:off x="13525500" y="13411200"/>
             <a:ext cx="4610100" cy="4743450"/>
           </a:xfrm>
           <a:prstGeom prst="rect">
